--- a/Cognitive Computing Hackathon 2016.pptx
+++ b/Cognitive Computing Hackathon 2016.pptx
@@ -1,12 +1,15 @@
 
 <file path=ppt/presentation.xml><?xml version="1.0" encoding="utf-8"?>
-<p:presentation xmlns:a="http://schemas.openxmlformats.org/drawingml/2006/main" xmlns:r="http://schemas.openxmlformats.org/officeDocument/2006/relationships" xmlns:p="http://schemas.openxmlformats.org/presentationml/2006/main" saveSubsetFonts="1">
+<p:presentation xmlns:a="http://schemas.openxmlformats.org/drawingml/2006/main" xmlns:r="http://schemas.openxmlformats.org/officeDocument/2006/relationships" xmlns:p="http://schemas.openxmlformats.org/presentationml/2006/main" showSpecialPlsOnTitleSld="0" saveSubsetFonts="1">
   <p:sldMasterIdLst>
     <p:sldMasterId id="2147483648" r:id="rId1"/>
   </p:sldMasterIdLst>
   <p:notesMasterIdLst>
     <p:notesMasterId r:id="rId9"/>
   </p:notesMasterIdLst>
+  <p:handoutMasterIdLst>
+    <p:handoutMasterId r:id="rId10"/>
+  </p:handoutMasterIdLst>
   <p:sldIdLst>
     <p:sldId id="256" r:id="rId2"/>
     <p:sldId id="262" r:id="rId3"/>
@@ -116,6 +119,172 @@
 </p:presentation>
 </file>
 
+<file path=ppt/handoutMasters/handoutMaster1.xml><?xml version="1.0" encoding="utf-8"?>
+<p:handoutMaster xmlns:a="http://schemas.openxmlformats.org/drawingml/2006/main" xmlns:r="http://schemas.openxmlformats.org/officeDocument/2006/relationships" xmlns:p="http://schemas.openxmlformats.org/presentationml/2006/main">
+  <p:cSld>
+    <p:bg>
+      <p:bgRef idx="1001">
+        <a:schemeClr val="bg1"/>
+      </p:bgRef>
+    </p:bg>
+    <p:spTree>
+      <p:nvGrpSpPr>
+        <p:cNvPr id="1" name=""/>
+        <p:cNvGrpSpPr/>
+        <p:nvPr/>
+      </p:nvGrpSpPr>
+      <p:grpSpPr>
+        <a:xfrm>
+          <a:off x="0" y="0"/>
+          <a:ext cx="0" cy="0"/>
+          <a:chOff x="0" y="0"/>
+          <a:chExt cx="0" cy="0"/>
+        </a:xfrm>
+      </p:grpSpPr>
+      <p:sp>
+        <p:nvSpPr>
+          <p:cNvPr id="2" name="Kopfzeilenplatzhalter 1"/>
+          <p:cNvSpPr>
+            <a:spLocks noGrp="1"/>
+          </p:cNvSpPr>
+          <p:nvPr>
+            <p:ph type="hdr" sz="quarter"/>
+          </p:nvPr>
+        </p:nvSpPr>
+        <p:spPr>
+          <a:xfrm>
+            <a:off x="0" y="0"/>
+            <a:ext cx="2971800" cy="458788"/>
+          </a:xfrm>
+          <a:prstGeom prst="rect">
+            <a:avLst/>
+          </a:prstGeom>
+        </p:spPr>
+        <p:txBody>
+          <a:bodyPr vert="horz" lIns="91440" tIns="45720" rIns="91440" bIns="45720" rtlCol="0"/>
+          <a:lstStyle>
+            <a:lvl1pPr algn="l">
+              <a:defRPr sz="1200"/>
+            </a:lvl1pPr>
+          </a:lstStyle>
+          <a:p>
+            <a:endParaRPr lang="de-DE"/>
+          </a:p>
+        </p:txBody>
+      </p:sp>
+      <p:sp>
+        <p:nvSpPr>
+          <p:cNvPr id="3" name="Datumsplatzhalter 2"/>
+          <p:cNvSpPr>
+            <a:spLocks noGrp="1"/>
+          </p:cNvSpPr>
+          <p:nvPr>
+            <p:ph type="dt" sz="quarter" idx="1"/>
+          </p:nvPr>
+        </p:nvSpPr>
+        <p:spPr>
+          <a:xfrm>
+            <a:off x="3884613" y="0"/>
+            <a:ext cx="2971800" cy="458788"/>
+          </a:xfrm>
+          <a:prstGeom prst="rect">
+            <a:avLst/>
+          </a:prstGeom>
+        </p:spPr>
+        <p:txBody>
+          <a:bodyPr vert="horz" lIns="91440" tIns="45720" rIns="91440" bIns="45720" rtlCol="0"/>
+          <a:lstStyle>
+            <a:lvl1pPr algn="r">
+              <a:defRPr sz="1200"/>
+            </a:lvl1pPr>
+          </a:lstStyle>
+          <a:p>
+            <a:fld id="{7D6CBE7A-4A4C-40FE-B326-6F7AD82D3851}" type="datetimeFigureOut">
+              <a:rPr lang="de-DE" smtClean="0"/>
+              <a:t>04.12.2016</a:t>
+            </a:fld>
+            <a:endParaRPr lang="de-DE"/>
+          </a:p>
+        </p:txBody>
+      </p:sp>
+      <p:sp>
+        <p:nvSpPr>
+          <p:cNvPr id="4" name="Fußzeilenplatzhalter 3"/>
+          <p:cNvSpPr>
+            <a:spLocks noGrp="1"/>
+          </p:cNvSpPr>
+          <p:nvPr>
+            <p:ph type="ftr" sz="quarter" idx="2"/>
+          </p:nvPr>
+        </p:nvSpPr>
+        <p:spPr>
+          <a:xfrm>
+            <a:off x="0" y="8685213"/>
+            <a:ext cx="2971800" cy="458787"/>
+          </a:xfrm>
+          <a:prstGeom prst="rect">
+            <a:avLst/>
+          </a:prstGeom>
+        </p:spPr>
+        <p:txBody>
+          <a:bodyPr vert="horz" lIns="91440" tIns="45720" rIns="91440" bIns="45720" rtlCol="0" anchor="b"/>
+          <a:lstStyle>
+            <a:lvl1pPr algn="l">
+              <a:defRPr sz="1200"/>
+            </a:lvl1pPr>
+          </a:lstStyle>
+          <a:p>
+            <a:endParaRPr lang="de-DE"/>
+          </a:p>
+        </p:txBody>
+      </p:sp>
+      <p:sp>
+        <p:nvSpPr>
+          <p:cNvPr id="5" name="Foliennummernplatzhalter 4"/>
+          <p:cNvSpPr>
+            <a:spLocks noGrp="1"/>
+          </p:cNvSpPr>
+          <p:nvPr>
+            <p:ph type="sldNum" sz="quarter" idx="3"/>
+          </p:nvPr>
+        </p:nvSpPr>
+        <p:spPr>
+          <a:xfrm>
+            <a:off x="3884613" y="8685213"/>
+            <a:ext cx="2971800" cy="458787"/>
+          </a:xfrm>
+          <a:prstGeom prst="rect">
+            <a:avLst/>
+          </a:prstGeom>
+        </p:spPr>
+        <p:txBody>
+          <a:bodyPr vert="horz" lIns="91440" tIns="45720" rIns="91440" bIns="45720" rtlCol="0" anchor="b"/>
+          <a:lstStyle>
+            <a:lvl1pPr algn="r">
+              <a:defRPr sz="1200"/>
+            </a:lvl1pPr>
+          </a:lstStyle>
+          <a:p>
+            <a:fld id="{A9D4288F-48A1-479B-B85D-7793D58DAD5E}" type="slidenum">
+              <a:rPr lang="de-DE" smtClean="0"/>
+              <a:t>‹Nr.›</a:t>
+            </a:fld>
+            <a:endParaRPr lang="de-DE"/>
+          </a:p>
+        </p:txBody>
+      </p:sp>
+    </p:spTree>
+    <p:extLst>
+      <p:ext uri="{BB962C8B-B14F-4D97-AF65-F5344CB8AC3E}">
+        <p14:creationId xmlns:p14="http://schemas.microsoft.com/office/powerpoint/2010/main" val="2790842775"/>
+      </p:ext>
+    </p:extLst>
+  </p:cSld>
+  <p:clrMap bg1="lt1" tx1="dk1" bg2="lt2" tx2="dk2" accent1="accent1" accent2="accent2" accent3="accent3" accent4="accent4" accent5="accent5" accent6="accent6" hlink="hlink" folHlink="folHlink"/>
+  <p:hf ftr="0" dt="0"/>
+</p:handoutMaster>
+</file>
+
 <file path=ppt/notesMasters/notesMaster1.xml><?xml version="1.0" encoding="utf-8"?>
 <p:notesMaster xmlns:a="http://schemas.openxmlformats.org/drawingml/2006/main" xmlns:r="http://schemas.openxmlformats.org/officeDocument/2006/relationships" xmlns:p="http://schemas.openxmlformats.org/presentationml/2006/main">
   <p:cSld>
@@ -371,6 +540,7 @@
     </p:extLst>
   </p:cSld>
   <p:clrMap bg1="lt1" tx1="dk1" bg2="lt2" tx2="dk2" accent1="accent1" accent2="accent2" accent3="accent3" accent4="accent4" accent5="accent5" accent6="accent6" hlink="hlink" folHlink="folHlink"/>
+  <p:hf ftr="0" dt="0"/>
   <p:notesStyle>
     <a:lvl1pPr marL="0" algn="l" defTabSz="914400" rtl="0" eaLnBrk="1" latinLnBrk="0" hangingPunct="1">
       <a:defRPr sz="1200" kern="1200">
@@ -631,6 +801,25 @@
           </a:p>
         </p:txBody>
       </p:sp>
+      <p:sp>
+        <p:nvSpPr>
+          <p:cNvPr id="5" name="Kopfzeilenplatzhalter 4"/>
+          <p:cNvSpPr>
+            <a:spLocks noGrp="1"/>
+          </p:cNvSpPr>
+          <p:nvPr>
+            <p:ph type="hdr" sz="quarter" idx="11"/>
+          </p:nvPr>
+        </p:nvSpPr>
+        <p:spPr/>
+        <p:txBody>
+          <a:bodyPr/>
+          <a:lstStyle/>
+          <a:p>
+            <a:endParaRPr lang="de-DE"/>
+          </a:p>
+        </p:txBody>
+      </p:sp>
     </p:spTree>
     <p:extLst>
       <p:ext uri="{BB962C8B-B14F-4D97-AF65-F5344CB8AC3E}">
@@ -773,7 +962,7 @@
           <a:bodyPr/>
           <a:lstStyle/>
           <a:p>
-            <a:fld id="{13E74C62-5F9F-4773-A956-47E3080C7571}" type="datetimeFigureOut">
+            <a:fld id="{948354F3-4922-4C55-AFDA-CE3F7D62C7C6}" type="datetime1">
               <a:rPr lang="de-DE" smtClean="0"/>
               <a:t>04.12.2016</a:t>
             </a:fld>
@@ -796,6 +985,10 @@
           <a:bodyPr/>
           <a:lstStyle/>
           <a:p>
+            <a:r>
+              <a:rPr lang="de-DE"/>
+              <a:t>Cognitive Computing Hackathon 2016</a:t>
+            </a:r>
             <a:endParaRPr lang="de-DE"/>
           </a:p>
         </p:txBody>
@@ -943,7 +1136,7 @@
           <a:bodyPr/>
           <a:lstStyle/>
           <a:p>
-            <a:fld id="{13E74C62-5F9F-4773-A956-47E3080C7571}" type="datetimeFigureOut">
+            <a:fld id="{71DAEEDA-4735-4D15-98C8-EE18420BC411}" type="datetime1">
               <a:rPr lang="de-DE" smtClean="0"/>
               <a:t>04.12.2016</a:t>
             </a:fld>
@@ -966,6 +1159,10 @@
           <a:bodyPr/>
           <a:lstStyle/>
           <a:p>
+            <a:r>
+              <a:rPr lang="de-DE"/>
+              <a:t>Cognitive Computing Hackathon 2016</a:t>
+            </a:r>
             <a:endParaRPr lang="de-DE"/>
           </a:p>
         </p:txBody>
@@ -1123,7 +1320,7 @@
           <a:bodyPr/>
           <a:lstStyle/>
           <a:p>
-            <a:fld id="{13E74C62-5F9F-4773-A956-47E3080C7571}" type="datetimeFigureOut">
+            <a:fld id="{18035DA0-3269-4562-9436-A5D78BB0BEE2}" type="datetime1">
               <a:rPr lang="de-DE" smtClean="0"/>
               <a:t>04.12.2016</a:t>
             </a:fld>
@@ -1146,6 +1343,10 @@
           <a:bodyPr/>
           <a:lstStyle/>
           <a:p>
+            <a:r>
+              <a:rPr lang="de-DE"/>
+              <a:t>Cognitive Computing Hackathon 2016</a:t>
+            </a:r>
             <a:endParaRPr lang="de-DE"/>
           </a:p>
         </p:txBody>
@@ -1293,7 +1494,7 @@
           <a:bodyPr/>
           <a:lstStyle/>
           <a:p>
-            <a:fld id="{13E74C62-5F9F-4773-A956-47E3080C7571}" type="datetimeFigureOut">
+            <a:fld id="{8FD45CFA-96CE-42AA-85CA-AD366FA84F55}" type="datetime1">
               <a:rPr lang="de-DE" smtClean="0"/>
               <a:t>04.12.2016</a:t>
             </a:fld>
@@ -1316,6 +1517,10 @@
           <a:bodyPr/>
           <a:lstStyle/>
           <a:p>
+            <a:r>
+              <a:rPr lang="de-DE"/>
+              <a:t>Cognitive Computing Hackathon 2016</a:t>
+            </a:r>
             <a:endParaRPr lang="de-DE"/>
           </a:p>
         </p:txBody>
@@ -1539,7 +1744,7 @@
           <a:bodyPr/>
           <a:lstStyle/>
           <a:p>
-            <a:fld id="{13E74C62-5F9F-4773-A956-47E3080C7571}" type="datetimeFigureOut">
+            <a:fld id="{BAF90748-3779-48CD-B514-956E95B97440}" type="datetime1">
               <a:rPr lang="de-DE" smtClean="0"/>
               <a:t>04.12.2016</a:t>
             </a:fld>
@@ -1562,6 +1767,10 @@
           <a:bodyPr/>
           <a:lstStyle/>
           <a:p>
+            <a:r>
+              <a:rPr lang="de-DE"/>
+              <a:t>Cognitive Computing Hackathon 2016</a:t>
+            </a:r>
             <a:endParaRPr lang="de-DE"/>
           </a:p>
         </p:txBody>
@@ -1771,7 +1980,7 @@
           <a:bodyPr/>
           <a:lstStyle/>
           <a:p>
-            <a:fld id="{13E74C62-5F9F-4773-A956-47E3080C7571}" type="datetimeFigureOut">
+            <a:fld id="{7517BF80-3EAE-4CDC-B2EA-73DDE87E66A8}" type="datetime1">
               <a:rPr lang="de-DE" smtClean="0"/>
               <a:t>04.12.2016</a:t>
             </a:fld>
@@ -1794,6 +2003,10 @@
           <a:bodyPr/>
           <a:lstStyle/>
           <a:p>
+            <a:r>
+              <a:rPr lang="de-DE"/>
+              <a:t>Cognitive Computing Hackathon 2016</a:t>
+            </a:r>
             <a:endParaRPr lang="de-DE"/>
           </a:p>
         </p:txBody>
@@ -2138,7 +2351,7 @@
           <a:bodyPr/>
           <a:lstStyle/>
           <a:p>
-            <a:fld id="{13E74C62-5F9F-4773-A956-47E3080C7571}" type="datetimeFigureOut">
+            <a:fld id="{A74C1CEE-BFF5-4421-BB9B-C03AB4A5EF04}" type="datetime1">
               <a:rPr lang="de-DE" smtClean="0"/>
               <a:t>04.12.2016</a:t>
             </a:fld>
@@ -2161,6 +2374,10 @@
           <a:bodyPr/>
           <a:lstStyle/>
           <a:p>
+            <a:r>
+              <a:rPr lang="de-DE"/>
+              <a:t>Cognitive Computing Hackathon 2016</a:t>
+            </a:r>
             <a:endParaRPr lang="de-DE"/>
           </a:p>
         </p:txBody>
@@ -2256,7 +2473,7 @@
           <a:bodyPr/>
           <a:lstStyle/>
           <a:p>
-            <a:fld id="{13E74C62-5F9F-4773-A956-47E3080C7571}" type="datetimeFigureOut">
+            <a:fld id="{17B9F37F-C963-496C-A02A-CA44D1C42818}" type="datetime1">
               <a:rPr lang="de-DE" smtClean="0"/>
               <a:t>04.12.2016</a:t>
             </a:fld>
@@ -2279,6 +2496,10 @@
           <a:bodyPr/>
           <a:lstStyle/>
           <a:p>
+            <a:r>
+              <a:rPr lang="de-DE"/>
+              <a:t>Cognitive Computing Hackathon 2016</a:t>
+            </a:r>
             <a:endParaRPr lang="de-DE"/>
           </a:p>
         </p:txBody>
@@ -2351,7 +2572,7 @@
           <a:bodyPr/>
           <a:lstStyle/>
           <a:p>
-            <a:fld id="{13E74C62-5F9F-4773-A956-47E3080C7571}" type="datetimeFigureOut">
+            <a:fld id="{C537B6F8-C9FD-4C55-8BEB-3EFE5D1499C6}" type="datetime1">
               <a:rPr lang="de-DE" smtClean="0"/>
               <a:t>04.12.2016</a:t>
             </a:fld>
@@ -2374,6 +2595,10 @@
           <a:bodyPr/>
           <a:lstStyle/>
           <a:p>
+            <a:r>
+              <a:rPr lang="de-DE"/>
+              <a:t>Cognitive Computing Hackathon 2016</a:t>
+            </a:r>
             <a:endParaRPr lang="de-DE"/>
           </a:p>
         </p:txBody>
@@ -2628,7 +2853,7 @@
           <a:bodyPr/>
           <a:lstStyle/>
           <a:p>
-            <a:fld id="{13E74C62-5F9F-4773-A956-47E3080C7571}" type="datetimeFigureOut">
+            <a:fld id="{97FDE633-3A65-4F6F-8A3A-024ADA3CEE3B}" type="datetime1">
               <a:rPr lang="de-DE" smtClean="0"/>
               <a:t>04.12.2016</a:t>
             </a:fld>
@@ -2651,6 +2876,10 @@
           <a:bodyPr/>
           <a:lstStyle/>
           <a:p>
+            <a:r>
+              <a:rPr lang="de-DE"/>
+              <a:t>Cognitive Computing Hackathon 2016</a:t>
+            </a:r>
             <a:endParaRPr lang="de-DE"/>
           </a:p>
         </p:txBody>
@@ -2881,7 +3110,7 @@
           <a:bodyPr/>
           <a:lstStyle/>
           <a:p>
-            <a:fld id="{13E74C62-5F9F-4773-A956-47E3080C7571}" type="datetimeFigureOut">
+            <a:fld id="{74AFC170-C1C0-4FCF-975A-6BF39C557ED0}" type="datetime1">
               <a:rPr lang="de-DE" smtClean="0"/>
               <a:t>04.12.2016</a:t>
             </a:fld>
@@ -2904,6 +3133,10 @@
           <a:bodyPr/>
           <a:lstStyle/>
           <a:p>
+            <a:r>
+              <a:rPr lang="de-DE"/>
+              <a:t>Cognitive Computing Hackathon 2016</a:t>
+            </a:r>
             <a:endParaRPr lang="de-DE"/>
           </a:p>
         </p:txBody>
@@ -3094,7 +3327,7 @@
             </a:lvl1pPr>
           </a:lstStyle>
           <a:p>
-            <a:fld id="{13E74C62-5F9F-4773-A956-47E3080C7571}" type="datetimeFigureOut">
+            <a:fld id="{95740752-2ADE-4DCF-AE97-080CAD55A593}" type="datetime1">
               <a:rPr lang="de-DE" smtClean="0"/>
               <a:t>04.12.2016</a:t>
             </a:fld>
@@ -3135,6 +3368,10 @@
             </a:lvl1pPr>
           </a:lstStyle>
           <a:p>
+            <a:r>
+              <a:rPr lang="de-DE"/>
+              <a:t>Cognitive Computing Hackathon 2016</a:t>
+            </a:r>
             <a:endParaRPr lang="de-DE"/>
           </a:p>
         </p:txBody>
@@ -3201,6 +3438,7 @@
     <p:sldLayoutId id="2147483658" r:id="rId10"/>
     <p:sldLayoutId id="2147483659" r:id="rId11"/>
   </p:sldLayoutIdLst>
+  <p:hf sldNum="0" hdr="0" dt="0"/>
   <p:txStyles>
     <p:titleStyle>
       <a:lvl1pPr algn="l" defTabSz="914400" rtl="0" eaLnBrk="1" latinLnBrk="0" hangingPunct="1">
@@ -4079,17 +4317,15 @@
               </a:rPr>
               <a:t>Verkaufsassistent</a:t>
             </a:r>
-            <a:br>
-              <a:rPr lang="de-DE" dirty="0">
-                <a:latin typeface="+mj-lt"/>
-              </a:rPr>
-            </a:br>
+          </a:p>
+          <a:p>
+            <a:pPr lvl="1"/>
             <a:r>
               <a:rPr lang="de-DE" dirty="0">
                 <a:latin typeface="+mj-lt"/>
                 <a:sym typeface="Wingdings" panose="05000000000000000000" pitchFamily="2" charset="2"/>
               </a:rPr>
-              <a:t>--&gt; Wenig Daten vorhanden </a:t>
+              <a:t>Wenig Daten vorhanden </a:t>
             </a:r>
             <a:endParaRPr lang="de-DE" dirty="0">
               <a:latin typeface="+mj-lt"/>
@@ -4102,17 +4338,15 @@
               </a:rPr>
               <a:t>Fehlerfindung</a:t>
             </a:r>
-            <a:br>
-              <a:rPr lang="de-DE" dirty="0">
-                <a:latin typeface="+mj-lt"/>
-              </a:rPr>
-            </a:br>
+          </a:p>
+          <a:p>
+            <a:pPr lvl="1"/>
             <a:r>
               <a:rPr lang="de-DE" dirty="0">
                 <a:latin typeface="+mj-lt"/>
                 <a:sym typeface="Wingdings" panose="05000000000000000000" pitchFamily="2" charset="2"/>
               </a:rPr>
-              <a:t>--&gt; Kein Zugriff auf Fehlerberichte, Sensordaten werden nicht gespeichert</a:t>
+              <a:t>Kein Zugriff auf Fehlerberichte, Sensordaten werden nicht gespeichert</a:t>
             </a:r>
             <a:endParaRPr lang="de-DE" dirty="0">
               <a:latin typeface="+mj-lt"/>
@@ -4125,17 +4359,15 @@
               </a:rPr>
               <a:t>Fruchtfolge</a:t>
             </a:r>
-            <a:br>
-              <a:rPr lang="de-DE" dirty="0">
-                <a:latin typeface="+mj-lt"/>
-              </a:rPr>
-            </a:br>
+          </a:p>
+          <a:p>
+            <a:pPr lvl="1"/>
             <a:r>
               <a:rPr lang="de-DE" dirty="0">
                 <a:latin typeface="+mj-lt"/>
                 <a:sym typeface="Wingdings" panose="05000000000000000000" pitchFamily="2" charset="2"/>
               </a:rPr>
-              <a:t>--&gt; Mögliche Applikation</a:t>
+              <a:t>Mögliche Applikation</a:t>
             </a:r>
             <a:endParaRPr lang="de-DE" dirty="0">
               <a:latin typeface="+mj-lt"/>
@@ -4148,18 +4380,39 @@
               </a:rPr>
               <a:t>Randapplikationen</a:t>
             </a:r>
-            <a:br>
-              <a:rPr lang="de-DE" dirty="0">
-                <a:latin typeface="+mj-lt"/>
-              </a:rPr>
-            </a:br>
+          </a:p>
+          <a:p>
+            <a:pPr lvl="1"/>
             <a:r>
               <a:rPr lang="de-DE" dirty="0">
                 <a:latin typeface="+mj-lt"/>
                 <a:sym typeface="Wingdings" panose="05000000000000000000" pitchFamily="2" charset="2"/>
               </a:rPr>
-              <a:t>--&gt; Wo gibt es alle Regularien?</a:t>
-            </a:r>
+              <a:t>Wo gibt es alle Regularien?</a:t>
+            </a:r>
+          </a:p>
+        </p:txBody>
+      </p:sp>
+      <p:sp>
+        <p:nvSpPr>
+          <p:cNvPr id="3" name="Fußzeilenplatzhalter 2"/>
+          <p:cNvSpPr>
+            <a:spLocks noGrp="1"/>
+          </p:cNvSpPr>
+          <p:nvPr>
+            <p:ph type="ftr" sz="quarter" idx="11"/>
+          </p:nvPr>
+        </p:nvSpPr>
+        <p:spPr/>
+        <p:txBody>
+          <a:bodyPr/>
+          <a:lstStyle/>
+          <a:p>
+            <a:r>
+              <a:rPr lang="de-DE"/>
+              <a:t>Cognitive Computing Hackathon 2016</a:t>
+            </a:r>
+            <a:endParaRPr lang="de-DE"/>
           </a:p>
         </p:txBody>
       </p:sp>
@@ -4282,15 +4535,14 @@
               </a:rPr>
               <a:t>Erstellen einer beratenden App für den Anwender</a:t>
             </a:r>
-          </a:p>
-          <a:p>
-            <a:pPr lvl="1"/>
-            <a:r>
+            <a:br>
               <a:rPr lang="de-DE" dirty="0">
                 <a:latin typeface="+mj-lt"/>
               </a:rPr>
-              <a:t>Anhand von eingegebener Pflanze mögliche Schädlinge erkennen und anhand der aktuellen gesetzlichen Vorgaben eine Pestizidstrategie entwickeln</a:t>
-            </a:r>
+            </a:br>
+            <a:endParaRPr lang="de-DE" dirty="0">
+              <a:latin typeface="+mj-lt"/>
+            </a:endParaRPr>
           </a:p>
           <a:p>
             <a:pPr lvl="1"/>
@@ -4298,7 +4550,7 @@
               <a:rPr lang="de-DE" dirty="0">
                 <a:latin typeface="+mj-lt"/>
               </a:rPr>
-              <a:t>Aufstellen eines Behandlungsplans anhand von vorhergesagten Wetterdaten und kalendarischen Einschränkungen</a:t>
+              <a:t>Mögliche Schädlinge erkennen und eine Pestizidstrategie entwickeln</a:t>
             </a:r>
           </a:p>
           <a:p>
@@ -4307,7 +4559,16 @@
               <a:rPr lang="de-DE" dirty="0">
                 <a:latin typeface="+mj-lt"/>
               </a:rPr>
-              <a:t>Informationen über Gefahrenstoffverordnungen ausgeben, um den Anwender zu informieren</a:t>
+              <a:t>Anhand von Wetterdaten erstellter Behandlungsplan</a:t>
+            </a:r>
+          </a:p>
+          <a:p>
+            <a:pPr lvl="1"/>
+            <a:r>
+              <a:rPr lang="de-DE" dirty="0">
+                <a:latin typeface="+mj-lt"/>
+              </a:rPr>
+              <a:t>Informationen über Gefahrenstoffverordnungen</a:t>
             </a:r>
           </a:p>
           <a:p>
@@ -4325,7 +4586,7 @@
               <a:rPr lang="de-DE" dirty="0">
                 <a:latin typeface="+mj-lt"/>
               </a:rPr>
-              <a:t>In Kombination mit Fruchtfolge einen langfristigen Plan entwickeln, und als Terminkalender abspeichern</a:t>
+              <a:t>Einbindung von Fruchtfolgeapplikationen</a:t>
             </a:r>
           </a:p>
           <a:p>
@@ -4333,6 +4594,35 @@
             <a:endParaRPr lang="de-DE" dirty="0">
               <a:latin typeface="+mj-lt"/>
             </a:endParaRPr>
+          </a:p>
+          <a:p>
+            <a:pPr lvl="1"/>
+            <a:endParaRPr lang="de-DE" dirty="0">
+              <a:latin typeface="+mj-lt"/>
+            </a:endParaRPr>
+          </a:p>
+        </p:txBody>
+      </p:sp>
+      <p:sp>
+        <p:nvSpPr>
+          <p:cNvPr id="2" name="Fußzeilenplatzhalter 1"/>
+          <p:cNvSpPr>
+            <a:spLocks noGrp="1"/>
+          </p:cNvSpPr>
+          <p:nvPr>
+            <p:ph type="ftr" sz="quarter" idx="11"/>
+          </p:nvPr>
+        </p:nvSpPr>
+        <p:spPr/>
+        <p:txBody>
+          <a:bodyPr/>
+          <a:lstStyle/>
+          <a:p>
+            <a:r>
+              <a:rPr lang="de-DE"/>
+              <a:t>Cognitive Computing Hackathon 2016</a:t>
+            </a:r>
+            <a:endParaRPr lang="de-DE"/>
           </a:p>
         </p:txBody>
       </p:sp>
@@ -4422,9 +4712,10 @@
           <a:lstStyle/>
           <a:p>
             <a:r>
-              <a:rPr lang="de-DE" dirty="0"/>
-              <a:t>Woher die Daten?</a:t>
-            </a:r>
+              <a:rPr lang="de-DE" dirty="0" err="1"/>
+              <a:t>Datenacquise</a:t>
+            </a:r>
+            <a:endParaRPr lang="de-DE" dirty="0"/>
           </a:p>
         </p:txBody>
       </p:sp>
@@ -4463,11 +4754,18 @@
           <a:p>
             <a:pPr lvl="1"/>
             <a:r>
+              <a:rPr lang="de-DE" i="1" dirty="0">
+                <a:latin typeface="+mj-lt"/>
+                <a:sym typeface="Wingdings" panose="05000000000000000000" pitchFamily="2" charset="2"/>
+              </a:rPr>
+              <a:t>bvl.bund.de </a:t>
+            </a:r>
+            <a:r>
               <a:rPr lang="de-DE" dirty="0">
                 <a:latin typeface="+mj-lt"/>
                 <a:sym typeface="Wingdings" panose="05000000000000000000" pitchFamily="2" charset="2"/>
               </a:rPr>
-              <a:t>bvl.bund.de (in Datenbankformat vorhanden)</a:t>
+              <a:t>(in Datenbankformat vorhanden)</a:t>
             </a:r>
           </a:p>
           <a:p>
@@ -4493,7 +4791,7 @@
           <a:p>
             <a:pPr lvl="1"/>
             <a:r>
-              <a:rPr lang="de-DE" dirty="0">
+              <a:rPr lang="de-DE" i="1" dirty="0">
                 <a:latin typeface="+mj-lt"/>
                 <a:sym typeface="Wingdings" panose="05000000000000000000" pitchFamily="2" charset="2"/>
               </a:rPr>
@@ -4509,37 +4807,47 @@
               </a:rPr>
               <a:t>Richtlinien im Pflanzenschutz</a:t>
             </a:r>
-          </a:p>
-          <a:p>
-            <a:r>
+            <a:br>
               <a:rPr lang="de-DE" dirty="0">
                 <a:latin typeface="+mj-lt"/>
                 <a:sym typeface="Wingdings" panose="05000000000000000000" pitchFamily="2" charset="2"/>
               </a:rPr>
+            </a:br>
+            <a:endParaRPr lang="de-DE" dirty="0">
+              <a:latin typeface="+mj-lt"/>
+              <a:sym typeface="Wingdings" panose="05000000000000000000" pitchFamily="2" charset="2"/>
+            </a:endParaRPr>
+          </a:p>
+          <a:p>
+            <a:r>
+              <a:rPr lang="de-DE" i="1" dirty="0">
+                <a:latin typeface="+mj-lt"/>
+                <a:sym typeface="Wingdings" panose="05000000000000000000" pitchFamily="2" charset="2"/>
+              </a:rPr>
               <a:t>IBM </a:t>
             </a:r>
             <a:r>
-              <a:rPr lang="de-DE" dirty="0" err="1">
+              <a:rPr lang="de-DE" i="1" dirty="0" err="1">
                 <a:latin typeface="+mj-lt"/>
                 <a:sym typeface="Wingdings" panose="05000000000000000000" pitchFamily="2" charset="2"/>
               </a:rPr>
               <a:t>Weather</a:t>
             </a:r>
             <a:r>
+              <a:rPr lang="de-DE" i="1" dirty="0">
+                <a:latin typeface="+mj-lt"/>
+                <a:sym typeface="Wingdings" panose="05000000000000000000" pitchFamily="2" charset="2"/>
+              </a:rPr>
+              <a:t> Company Data</a:t>
+            </a:r>
+          </a:p>
+          <a:p>
+            <a:r>
               <a:rPr lang="de-DE" dirty="0">
                 <a:latin typeface="+mj-lt"/>
                 <a:sym typeface="Wingdings" panose="05000000000000000000" pitchFamily="2" charset="2"/>
               </a:rPr>
-              <a:t> Company Data</a:t>
-            </a:r>
-          </a:p>
-          <a:p>
-            <a:r>
-              <a:rPr lang="de-DE" dirty="0">
-                <a:latin typeface="+mj-lt"/>
-                <a:sym typeface="Wingdings" panose="05000000000000000000" pitchFamily="2" charset="2"/>
-              </a:rPr>
-              <a:t>Richtlinien zu Abständen bei Ausfahren der Mittel</a:t>
+              <a:t>Richtlinien zu Abständen beim Ausfahren der Mittel</a:t>
             </a:r>
           </a:p>
           <a:p>
@@ -4564,6 +4872,29 @@
             <a:endParaRPr lang="de-DE" dirty="0">
               <a:latin typeface="+mj-lt"/>
             </a:endParaRPr>
+          </a:p>
+        </p:txBody>
+      </p:sp>
+      <p:sp>
+        <p:nvSpPr>
+          <p:cNvPr id="8" name="Fußzeilenplatzhalter 7"/>
+          <p:cNvSpPr>
+            <a:spLocks noGrp="1"/>
+          </p:cNvSpPr>
+          <p:nvPr>
+            <p:ph type="ftr" sz="quarter" idx="11"/>
+          </p:nvPr>
+        </p:nvSpPr>
+        <p:spPr/>
+        <p:txBody>
+          <a:bodyPr/>
+          <a:lstStyle/>
+          <a:p>
+            <a:r>
+              <a:rPr lang="de-DE"/>
+              <a:t>Cognitive Computing Hackathon 2016</a:t>
+            </a:r>
+            <a:endParaRPr lang="de-DE"/>
           </a:p>
         </p:txBody>
       </p:sp>
@@ -4774,6 +5105,29 @@
           </a:p>
         </p:txBody>
       </p:sp>
+      <p:sp>
+        <p:nvSpPr>
+          <p:cNvPr id="2" name="Fußzeilenplatzhalter 1"/>
+          <p:cNvSpPr>
+            <a:spLocks noGrp="1"/>
+          </p:cNvSpPr>
+          <p:nvPr>
+            <p:ph type="ftr" sz="quarter" idx="11"/>
+          </p:nvPr>
+        </p:nvSpPr>
+        <p:spPr/>
+        <p:txBody>
+          <a:bodyPr/>
+          <a:lstStyle/>
+          <a:p>
+            <a:r>
+              <a:rPr lang="de-DE"/>
+              <a:t>Cognitive Computing Hackathon 2016</a:t>
+            </a:r>
+            <a:endParaRPr lang="de-DE"/>
+          </a:p>
+        </p:txBody>
+      </p:sp>
     </p:spTree>
     <p:extLst>
       <p:ext uri="{BB962C8B-B14F-4D97-AF65-F5344CB8AC3E}">
@@ -4893,19 +5247,7 @@
               <a:rPr lang="de-DE" dirty="0">
                 <a:latin typeface="+mj-lt"/>
               </a:rPr>
-              <a:t>Einbindung in digitalen Kalender in Zusammenarbeit mit Fruchtfolgevorschlägen (</a:t>
-            </a:r>
-            <a:r>
-              <a:rPr lang="de-DE" dirty="0" err="1">
-                <a:latin typeface="+mj-lt"/>
-              </a:rPr>
-              <a:t>evtl</a:t>
-            </a:r>
-            <a:r>
-              <a:rPr lang="de-DE" dirty="0">
-                <a:latin typeface="+mj-lt"/>
-              </a:rPr>
-              <a:t> mehrfache Verwendung des gleichen Mittels?)</a:t>
+              <a:t>Einbindung in digitalen Kalender mit Fruchtfolgeplan</a:t>
             </a:r>
           </a:p>
           <a:p>
@@ -4915,43 +5257,35 @@
               </a:rPr>
               <a:t>Weitere Einbindung der Wetterdaten und Auflagen zu Abständen</a:t>
             </a:r>
-            <a:br>
-              <a:rPr lang="de-DE" dirty="0">
-                <a:latin typeface="+mj-lt"/>
-              </a:rPr>
-            </a:br>
+          </a:p>
+          <a:p>
+            <a:pPr lvl="1"/>
             <a:r>
               <a:rPr lang="de-DE" dirty="0">
                 <a:latin typeface="+mj-lt"/>
                 <a:sym typeface="Wingdings" panose="05000000000000000000" pitchFamily="2" charset="2"/>
               </a:rPr>
-              <a:t>--&gt; Welche Düse mit welchem Druck?</a:t>
-            </a:r>
-            <a:br>
+              <a:t>Welche Düse mit welchem Druck?</a:t>
+            </a:r>
+          </a:p>
+          <a:p>
+            <a:pPr lvl="1"/>
+            <a:r>
               <a:rPr lang="de-DE" dirty="0">
                 <a:latin typeface="+mj-lt"/>
                 <a:sym typeface="Wingdings" panose="05000000000000000000" pitchFamily="2" charset="2"/>
               </a:rPr>
-            </a:br>
+              <a:t> Darf ich nächste Woche spritzen?</a:t>
+            </a:r>
+          </a:p>
+          <a:p>
+            <a:pPr lvl="1"/>
             <a:r>
               <a:rPr lang="de-DE" dirty="0">
                 <a:latin typeface="+mj-lt"/>
                 <a:sym typeface="Wingdings" panose="05000000000000000000" pitchFamily="2" charset="2"/>
               </a:rPr>
-              <a:t>--&gt; Darf ich nächste Woche spritzen?</a:t>
-            </a:r>
-            <a:br>
-              <a:rPr lang="de-DE" dirty="0">
-                <a:latin typeface="+mj-lt"/>
-                <a:sym typeface="Wingdings" panose="05000000000000000000" pitchFamily="2" charset="2"/>
-              </a:rPr>
-            </a:br>
-            <a:r>
-              <a:rPr lang="de-DE" dirty="0">
-                <a:latin typeface="+mj-lt"/>
-                <a:sym typeface="Wingdings" panose="05000000000000000000" pitchFamily="2" charset="2"/>
-              </a:rPr>
-              <a:t>--&gt; Erweiterung des automatisierten Fahrens</a:t>
+              <a:t>Erweiterung des automatisierten Fahrens</a:t>
             </a:r>
           </a:p>
           <a:p>
@@ -4965,6 +5299,29 @@
             <a:endParaRPr lang="de-DE" dirty="0">
               <a:latin typeface="+mj-lt"/>
             </a:endParaRPr>
+          </a:p>
+        </p:txBody>
+      </p:sp>
+      <p:sp>
+        <p:nvSpPr>
+          <p:cNvPr id="2" name="Fußzeilenplatzhalter 1"/>
+          <p:cNvSpPr>
+            <a:spLocks noGrp="1"/>
+          </p:cNvSpPr>
+          <p:nvPr>
+            <p:ph type="ftr" sz="quarter" idx="11"/>
+          </p:nvPr>
+        </p:nvSpPr>
+        <p:spPr/>
+        <p:txBody>
+          <a:bodyPr/>
+          <a:lstStyle/>
+          <a:p>
+            <a:r>
+              <a:rPr lang="de-DE"/>
+              <a:t>Cognitive Computing Hackathon 2016</a:t>
+            </a:r>
+            <a:endParaRPr lang="de-DE"/>
           </a:p>
         </p:txBody>
       </p:sp>
@@ -5073,24 +5430,114 @@
         <p:spPr/>
         <p:txBody>
           <a:bodyPr>
-            <a:normAutofit/>
+            <a:normAutofit fontScale="92500" lnSpcReduction="10000"/>
           </a:bodyPr>
           <a:lstStyle/>
           <a:p>
-            <a:r>
-              <a:rPr lang="de-DE" sz="1600" dirty="0"/>
+            <a:pPr marL="0" indent="0" algn="ctr">
+              <a:buNone/>
+            </a:pPr>
+            <a:endParaRPr lang="de-DE" sz="4000">
+              <a:latin typeface="+mj-lt"/>
+            </a:endParaRPr>
+          </a:p>
+          <a:p>
+            <a:pPr marL="0" indent="0" algn="ctr">
+              <a:buNone/>
+            </a:pPr>
+            <a:r>
+              <a:rPr lang="de-DE" sz="4000">
+                <a:latin typeface="+mj-lt"/>
+              </a:rPr>
+              <a:t>Besonderer </a:t>
+            </a:r>
+            <a:r>
+              <a:rPr lang="de-DE" sz="4000" dirty="0">
+                <a:latin typeface="+mj-lt"/>
+              </a:rPr>
+              <a:t>Dank gilt den Organisatoren Vildan und Jonas, den Professoren Pipa und </a:t>
+            </a:r>
+            <a:r>
+              <a:rPr lang="de-DE" sz="4000" dirty="0" err="1">
+                <a:latin typeface="+mj-lt"/>
+              </a:rPr>
+              <a:t>Kühnberger</a:t>
+            </a:r>
+            <a:r>
+              <a:rPr lang="de-DE" sz="4000" dirty="0">
+                <a:latin typeface="+mj-lt"/>
+              </a:rPr>
+              <a:t> und den Mitarbeitern von IBM und Amazone</a:t>
+            </a:r>
+            <a:br>
+              <a:rPr lang="de-DE" sz="4000" dirty="0">
+                <a:latin typeface="+mj-lt"/>
+              </a:rPr>
+            </a:br>
+            <a:br>
+              <a:rPr lang="de-DE" sz="4000" dirty="0">
+                <a:latin typeface="+mj-lt"/>
+              </a:rPr>
+            </a:br>
+            <a:br>
+              <a:rPr lang="de-DE" sz="4000" dirty="0">
+                <a:latin typeface="+mj-lt"/>
+              </a:rPr>
+            </a:br>
+            <a:br>
+              <a:rPr lang="de-DE" sz="4000" dirty="0">
+                <a:latin typeface="+mj-lt"/>
+              </a:rPr>
+            </a:br>
+            <a:endParaRPr lang="de-DE" sz="4000" dirty="0">
+              <a:latin typeface="+mj-lt"/>
+            </a:endParaRPr>
+          </a:p>
+          <a:p>
+            <a:pPr marL="0" indent="0" algn="ctr">
+              <a:buNone/>
+            </a:pPr>
+            <a:r>
+              <a:rPr lang="de-DE" sz="1600" dirty="0">
+                <a:latin typeface="+mj-lt"/>
+              </a:rPr>
               <a:t>Hintergrundbild: </a:t>
             </a:r>
             <a:r>
               <a:rPr lang="de-DE" sz="1600" dirty="0">
-                <a:hlinkClick r:id="rId3"/>
+                <a:latin typeface="+mj-lt"/>
               </a:rPr>
               <a:t>http://www.stotz-online.com/media/bilder/2015/24_DJI00947.JPG?t=1479288053</a:t>
             </a:r>
-            <a:endParaRPr lang="de-DE" sz="1600" dirty="0"/>
-          </a:p>
-          <a:p>
-            <a:endParaRPr lang="de-DE" sz="1600" dirty="0"/>
+          </a:p>
+          <a:p>
+            <a:pPr algn="ctr"/>
+            <a:endParaRPr lang="de-DE" sz="1600" dirty="0">
+              <a:latin typeface="+mj-lt"/>
+            </a:endParaRPr>
+          </a:p>
+        </p:txBody>
+      </p:sp>
+      <p:sp>
+        <p:nvSpPr>
+          <p:cNvPr id="2" name="Fußzeilenplatzhalter 1"/>
+          <p:cNvSpPr>
+            <a:spLocks noGrp="1"/>
+          </p:cNvSpPr>
+          <p:nvPr>
+            <p:ph type="ftr" sz="quarter" idx="11"/>
+          </p:nvPr>
+        </p:nvSpPr>
+        <p:spPr/>
+        <p:txBody>
+          <a:bodyPr/>
+          <a:lstStyle/>
+          <a:p>
+            <a:r>
+              <a:rPr lang="de-DE"/>
+              <a:t>Cognitive Computing Hackathon 2016</a:t>
+            </a:r>
+            <a:endParaRPr lang="de-DE"/>
           </a:p>
         </p:txBody>
       </p:sp>
@@ -5695,4 +6142,299 @@
     </a:ext>
   </a:extLst>
 </a:theme>
+</file>
+
+<file path=ppt/theme/theme3.xml><?xml version="1.0" encoding="utf-8"?>
+<a:theme xmlns:a="http://schemas.openxmlformats.org/drawingml/2006/main" name="Office">
+  <a:themeElements>
+    <a:clrScheme name="Office">
+      <a:dk1>
+        <a:sysClr val="windowText" lastClr="000000"/>
+      </a:dk1>
+      <a:lt1>
+        <a:sysClr val="window" lastClr="FFFFFF"/>
+      </a:lt1>
+      <a:dk2>
+        <a:srgbClr val="44546A"/>
+      </a:dk2>
+      <a:lt2>
+        <a:srgbClr val="E7E6E6"/>
+      </a:lt2>
+      <a:accent1>
+        <a:srgbClr val="5B9BD5"/>
+      </a:accent1>
+      <a:accent2>
+        <a:srgbClr val="ED7D31"/>
+      </a:accent2>
+      <a:accent3>
+        <a:srgbClr val="A5A5A5"/>
+      </a:accent3>
+      <a:accent4>
+        <a:srgbClr val="FFC000"/>
+      </a:accent4>
+      <a:accent5>
+        <a:srgbClr val="4472C4"/>
+      </a:accent5>
+      <a:accent6>
+        <a:srgbClr val="70AD47"/>
+      </a:accent6>
+      <a:hlink>
+        <a:srgbClr val="0563C1"/>
+      </a:hlink>
+      <a:folHlink>
+        <a:srgbClr val="954F72"/>
+      </a:folHlink>
+    </a:clrScheme>
+    <a:fontScheme name="Office">
+      <a:majorFont>
+        <a:latin typeface="Calibri Light" panose="020F0302020204030204"/>
+        <a:ea typeface=""/>
+        <a:cs typeface=""/>
+        <a:font script="Jpan" typeface="游ゴシック Light"/>
+        <a:font script="Hang" typeface="맑은 고딕"/>
+        <a:font script="Hans" typeface="等线 Light"/>
+        <a:font script="Hant" typeface="新細明體"/>
+        <a:font script="Arab" typeface="Times New Roman"/>
+        <a:font script="Hebr" typeface="Times New Roman"/>
+        <a:font script="Thai" typeface="Angsana New"/>
+        <a:font script="Ethi" typeface="Nyala"/>
+        <a:font script="Beng" typeface="Vrinda"/>
+        <a:font script="Gujr" typeface="Shruti"/>
+        <a:font script="Khmr" typeface="MoolBoran"/>
+        <a:font script="Knda" typeface="Tunga"/>
+        <a:font script="Guru" typeface="Raavi"/>
+        <a:font script="Cans" typeface="Euphemia"/>
+        <a:font script="Cher" typeface="Plantagenet Cherokee"/>
+        <a:font script="Yiii" typeface="Microsoft Yi Baiti"/>
+        <a:font script="Tibt" typeface="Microsoft Himalaya"/>
+        <a:font script="Thaa" typeface="MV Boli"/>
+        <a:font script="Deva" typeface="Mangal"/>
+        <a:font script="Telu" typeface="Gautami"/>
+        <a:font script="Taml" typeface="Latha"/>
+        <a:font script="Syrc" typeface="Estrangelo Edessa"/>
+        <a:font script="Orya" typeface="Kalinga"/>
+        <a:font script="Mlym" typeface="Kartika"/>
+        <a:font script="Laoo" typeface="DokChampa"/>
+        <a:font script="Sinh" typeface="Iskoola Pota"/>
+        <a:font script="Mong" typeface="Mongolian Baiti"/>
+        <a:font script="Viet" typeface="Times New Roman"/>
+        <a:font script="Uigh" typeface="Microsoft Uighur"/>
+        <a:font script="Geor" typeface="Sylfaen"/>
+        <a:font script="Armn" typeface="Arial"/>
+        <a:font script="Bugi" typeface="Leelawadee UI"/>
+        <a:font script="Bopo" typeface="Microsoft JhengHei"/>
+        <a:font script="Java" typeface="Javanese Text"/>
+        <a:font script="Lisu" typeface="Segoe UI"/>
+        <a:font script="Mymr" typeface="Myanmar Text"/>
+        <a:font script="Nkoo" typeface="Ebrima"/>
+        <a:font script="Olck" typeface="Nirmala UI"/>
+        <a:font script="Osma" typeface="Ebrima"/>
+        <a:font script="Phag" typeface="Phagspa"/>
+        <a:font script="Syrn" typeface="Estrangelo Edessa"/>
+        <a:font script="Syrj" typeface="Estrangelo Edessa"/>
+        <a:font script="Syre" typeface="Estrangelo Edessa"/>
+        <a:font script="Sora" typeface="Nirmala UI"/>
+        <a:font script="Tale" typeface="Microsoft Tai Le"/>
+        <a:font script="Talu" typeface="Microsoft New Tai Lue"/>
+        <a:font script="Tfng" typeface="Ebrima"/>
+      </a:majorFont>
+      <a:minorFont>
+        <a:latin typeface="Calibri" panose="020F0502020204030204"/>
+        <a:ea typeface=""/>
+        <a:cs typeface=""/>
+        <a:font script="Jpan" typeface="游ゴシック"/>
+        <a:font script="Hang" typeface="맑은 고딕"/>
+        <a:font script="Hans" typeface="等线"/>
+        <a:font script="Hant" typeface="新細明體"/>
+        <a:font script="Arab" typeface="Arial"/>
+        <a:font script="Hebr" typeface="Arial"/>
+        <a:font script="Thai" typeface="Cordia New"/>
+        <a:font script="Ethi" typeface="Nyala"/>
+        <a:font script="Beng" typeface="Vrinda"/>
+        <a:font script="Gujr" typeface="Shruti"/>
+        <a:font script="Khmr" typeface="DaunPenh"/>
+        <a:font script="Knda" typeface="Tunga"/>
+        <a:font script="Guru" typeface="Raavi"/>
+        <a:font script="Cans" typeface="Euphemia"/>
+        <a:font script="Cher" typeface="Plantagenet Cherokee"/>
+        <a:font script="Yiii" typeface="Microsoft Yi Baiti"/>
+        <a:font script="Tibt" typeface="Microsoft Himalaya"/>
+        <a:font script="Thaa" typeface="MV Boli"/>
+        <a:font script="Deva" typeface="Mangal"/>
+        <a:font script="Telu" typeface="Gautami"/>
+        <a:font script="Taml" typeface="Latha"/>
+        <a:font script="Syrc" typeface="Estrangelo Edessa"/>
+        <a:font script="Orya" typeface="Kalinga"/>
+        <a:font script="Mlym" typeface="Kartika"/>
+        <a:font script="Laoo" typeface="DokChampa"/>
+        <a:font script="Sinh" typeface="Iskoola Pota"/>
+        <a:font script="Mong" typeface="Mongolian Baiti"/>
+        <a:font script="Viet" typeface="Arial"/>
+        <a:font script="Uigh" typeface="Microsoft Uighur"/>
+        <a:font script="Geor" typeface="Sylfaen"/>
+        <a:font script="Armn" typeface="Arial"/>
+        <a:font script="Bugi" typeface="Leelawadee UI"/>
+        <a:font script="Bopo" typeface="Microsoft JhengHei"/>
+        <a:font script="Java" typeface="Javanese Text"/>
+        <a:font script="Lisu" typeface="Segoe UI"/>
+        <a:font script="Mymr" typeface="Myanmar Text"/>
+        <a:font script="Nkoo" typeface="Ebrima"/>
+        <a:font script="Olck" typeface="Nirmala UI"/>
+        <a:font script="Osma" typeface="Ebrima"/>
+        <a:font script="Phag" typeface="Phagspa"/>
+        <a:font script="Syrn" typeface="Estrangelo Edessa"/>
+        <a:font script="Syrj" typeface="Estrangelo Edessa"/>
+        <a:font script="Syre" typeface="Estrangelo Edessa"/>
+        <a:font script="Sora" typeface="Nirmala UI"/>
+        <a:font script="Tale" typeface="Microsoft Tai Le"/>
+        <a:font script="Talu" typeface="Microsoft New Tai Lue"/>
+        <a:font script="Tfng" typeface="Ebrima"/>
+      </a:minorFont>
+    </a:fontScheme>
+    <a:fmtScheme name="Office">
+      <a:fillStyleLst>
+        <a:solidFill>
+          <a:schemeClr val="phClr"/>
+        </a:solidFill>
+        <a:gradFill rotWithShape="1">
+          <a:gsLst>
+            <a:gs pos="0">
+              <a:schemeClr val="phClr">
+                <a:lumMod val="110000"/>
+                <a:satMod val="105000"/>
+                <a:tint val="67000"/>
+              </a:schemeClr>
+            </a:gs>
+            <a:gs pos="50000">
+              <a:schemeClr val="phClr">
+                <a:lumMod val="105000"/>
+                <a:satMod val="103000"/>
+                <a:tint val="73000"/>
+              </a:schemeClr>
+            </a:gs>
+            <a:gs pos="100000">
+              <a:schemeClr val="phClr">
+                <a:lumMod val="105000"/>
+                <a:satMod val="109000"/>
+                <a:tint val="81000"/>
+              </a:schemeClr>
+            </a:gs>
+          </a:gsLst>
+          <a:lin ang="5400000" scaled="0"/>
+        </a:gradFill>
+        <a:gradFill rotWithShape="1">
+          <a:gsLst>
+            <a:gs pos="0">
+              <a:schemeClr val="phClr">
+                <a:satMod val="103000"/>
+                <a:lumMod val="102000"/>
+                <a:tint val="94000"/>
+              </a:schemeClr>
+            </a:gs>
+            <a:gs pos="50000">
+              <a:schemeClr val="phClr">
+                <a:satMod val="110000"/>
+                <a:lumMod val="100000"/>
+                <a:shade val="100000"/>
+              </a:schemeClr>
+            </a:gs>
+            <a:gs pos="100000">
+              <a:schemeClr val="phClr">
+                <a:lumMod val="99000"/>
+                <a:satMod val="120000"/>
+                <a:shade val="78000"/>
+              </a:schemeClr>
+            </a:gs>
+          </a:gsLst>
+          <a:lin ang="5400000" scaled="0"/>
+        </a:gradFill>
+      </a:fillStyleLst>
+      <a:lnStyleLst>
+        <a:ln w="6350" cap="flat" cmpd="sng" algn="ctr">
+          <a:solidFill>
+            <a:schemeClr val="phClr"/>
+          </a:solidFill>
+          <a:prstDash val="solid"/>
+          <a:miter lim="800000"/>
+        </a:ln>
+        <a:ln w="12700" cap="flat" cmpd="sng" algn="ctr">
+          <a:solidFill>
+            <a:schemeClr val="phClr"/>
+          </a:solidFill>
+          <a:prstDash val="solid"/>
+          <a:miter lim="800000"/>
+        </a:ln>
+        <a:ln w="19050" cap="flat" cmpd="sng" algn="ctr">
+          <a:solidFill>
+            <a:schemeClr val="phClr"/>
+          </a:solidFill>
+          <a:prstDash val="solid"/>
+          <a:miter lim="800000"/>
+        </a:ln>
+      </a:lnStyleLst>
+      <a:effectStyleLst>
+        <a:effectStyle>
+          <a:effectLst/>
+        </a:effectStyle>
+        <a:effectStyle>
+          <a:effectLst/>
+        </a:effectStyle>
+        <a:effectStyle>
+          <a:effectLst>
+            <a:outerShdw blurRad="57150" dist="19050" dir="5400000" algn="ctr" rotWithShape="0">
+              <a:srgbClr val="000000">
+                <a:alpha val="63000"/>
+              </a:srgbClr>
+            </a:outerShdw>
+          </a:effectLst>
+        </a:effectStyle>
+      </a:effectStyleLst>
+      <a:bgFillStyleLst>
+        <a:solidFill>
+          <a:schemeClr val="phClr"/>
+        </a:solidFill>
+        <a:solidFill>
+          <a:schemeClr val="phClr">
+            <a:tint val="95000"/>
+            <a:satMod val="170000"/>
+          </a:schemeClr>
+        </a:solidFill>
+        <a:gradFill rotWithShape="1">
+          <a:gsLst>
+            <a:gs pos="0">
+              <a:schemeClr val="phClr">
+                <a:tint val="93000"/>
+                <a:satMod val="150000"/>
+                <a:shade val="98000"/>
+                <a:lumMod val="102000"/>
+              </a:schemeClr>
+            </a:gs>
+            <a:gs pos="50000">
+              <a:schemeClr val="phClr">
+                <a:tint val="98000"/>
+                <a:satMod val="130000"/>
+                <a:shade val="90000"/>
+                <a:lumMod val="103000"/>
+              </a:schemeClr>
+            </a:gs>
+            <a:gs pos="100000">
+              <a:schemeClr val="phClr">
+                <a:shade val="63000"/>
+                <a:satMod val="120000"/>
+              </a:schemeClr>
+            </a:gs>
+          </a:gsLst>
+          <a:lin ang="5400000" scaled="0"/>
+        </a:gradFill>
+      </a:bgFillStyleLst>
+    </a:fmtScheme>
+  </a:themeElements>
+  <a:objectDefaults/>
+  <a:extraClrSchemeLst/>
+  <a:extLst>
+    <a:ext uri="{05A4C25C-085E-4340-85A3-A5531E510DB2}">
+      <thm15:themeFamily xmlns:thm15="http://schemas.microsoft.com/office/thememl/2012/main" name="Office Theme" id="{62F939B6-93AF-4DB8-9C6B-D6C7DFDC589F}" vid="{4A3C46E8-61CC-4603-A589-7422A47A8E4A}"/>
+    </a:ext>
+  </a:extLst>
+</a:theme>
 </file>